--- a/Writing/Präsentation.pptx
+++ b/Writing/Präsentation.pptx
@@ -3795,7 +3795,7 @@
             <a:fld id="{D0E1FCD0-22DB-48A4-B5C5-6EBEA09774FA}" type="datetime4">
               <a:rPr lang="en-GB" smtClean="0"/>
               <a:pPr/>
-              <a:t>01 October 2024</a:t>
+              <a:t>02 October 2024</a:t>
             </a:fld>
             <a:endParaRPr lang="en-GB" dirty="0"/>
           </a:p>
@@ -4307,7 +4307,7 @@
             <a:fld id="{D0E1FCD0-22DB-48A4-B5C5-6EBEA09774FA}" type="datetime4">
               <a:rPr lang="en-GB" smtClean="0"/>
               <a:pPr/>
-              <a:t>01 October 2024</a:t>
+              <a:t>02 October 2024</a:t>
             </a:fld>
             <a:endParaRPr lang="en-GB" dirty="0"/>
           </a:p>
@@ -4819,7 +4819,7 @@
             <a:fld id="{D0E1FCD0-22DB-48A4-B5C5-6EBEA09774FA}" type="datetime4">
               <a:rPr lang="en-GB" smtClean="0"/>
               <a:pPr/>
-              <a:t>01 October 2024</a:t>
+              <a:t>02 October 2024</a:t>
             </a:fld>
             <a:endParaRPr lang="en-GB" dirty="0"/>
           </a:p>
@@ -5144,7 +5144,7 @@
             <a:fld id="{D0E1FCD0-22DB-48A4-B5C5-6EBEA09774FA}" type="datetime4">
               <a:rPr lang="en-GB" smtClean="0"/>
               <a:pPr/>
-              <a:t>01 October 2024</a:t>
+              <a:t>02 October 2024</a:t>
             </a:fld>
             <a:endParaRPr lang="en-GB" dirty="0"/>
           </a:p>
@@ -5612,7 +5612,7 @@
             <a:fld id="{D0E1FCD0-22DB-48A4-B5C5-6EBEA09774FA}" type="datetime4">
               <a:rPr lang="en-GB" smtClean="0"/>
               <a:pPr/>
-              <a:t>01 October 2024</a:t>
+              <a:t>02 October 2024</a:t>
             </a:fld>
             <a:endParaRPr lang="en-GB" dirty="0"/>
           </a:p>
@@ -5896,7 +5896,7 @@
             <a:fld id="{D0E1FCD0-22DB-48A4-B5C5-6EBEA09774FA}" type="datetime4">
               <a:rPr lang="en-GB" smtClean="0"/>
               <a:pPr/>
-              <a:t>01 October 2024</a:t>
+              <a:t>02 October 2024</a:t>
             </a:fld>
             <a:endParaRPr lang="en-GB" dirty="0"/>
           </a:p>
@@ -6254,7 +6254,7 @@
             <a:fld id="{D0E1FCD0-22DB-48A4-B5C5-6EBEA09774FA}" type="datetime4">
               <a:rPr lang="en-GB" smtClean="0"/>
               <a:pPr/>
-              <a:t>01 October 2024</a:t>
+              <a:t>02 October 2024</a:t>
             </a:fld>
             <a:endParaRPr lang="en-GB" dirty="0"/>
           </a:p>
@@ -6649,7 +6649,7 @@
             <a:fld id="{D0E1FCD0-22DB-48A4-B5C5-6EBEA09774FA}" type="datetime4">
               <a:rPr lang="en-GB" smtClean="0"/>
               <a:pPr/>
-              <a:t>01 October 2024</a:t>
+              <a:t>02 October 2024</a:t>
             </a:fld>
             <a:endParaRPr lang="en-GB" dirty="0"/>
           </a:p>
@@ -7037,7 +7037,7 @@
             <a:fld id="{D0E1FCD0-22DB-48A4-B5C5-6EBEA09774FA}" type="datetime4">
               <a:rPr lang="en-GB" smtClean="0"/>
               <a:pPr/>
-              <a:t>01 October 2024</a:t>
+              <a:t>02 October 2024</a:t>
             </a:fld>
             <a:endParaRPr lang="en-GB" dirty="0"/>
           </a:p>
@@ -7432,7 +7432,7 @@
             <a:fld id="{D0E1FCD0-22DB-48A4-B5C5-6EBEA09774FA}" type="datetime4">
               <a:rPr lang="en-GB" smtClean="0"/>
               <a:pPr/>
-              <a:t>01 October 2024</a:t>
+              <a:t>02 October 2024</a:t>
             </a:fld>
             <a:endParaRPr lang="en-GB" dirty="0"/>
           </a:p>
@@ -7783,7 +7783,7 @@
             <a:fld id="{D0E1FCD0-22DB-48A4-B5C5-6EBEA09774FA}" type="datetime4">
               <a:rPr lang="en-GB" smtClean="0"/>
               <a:pPr/>
-              <a:t>01 October 2024</a:t>
+              <a:t>02 October 2024</a:t>
             </a:fld>
             <a:endParaRPr lang="en-GB" dirty="0"/>
           </a:p>
@@ -8224,7 +8224,7 @@
             <a:fld id="{D0E1FCD0-22DB-48A4-B5C5-6EBEA09774FA}" type="datetime4">
               <a:rPr lang="en-GB" smtClean="0"/>
               <a:pPr/>
-              <a:t>01 October 2024</a:t>
+              <a:t>02 October 2024</a:t>
             </a:fld>
             <a:endParaRPr lang="en-GB" dirty="0"/>
           </a:p>
@@ -8619,7 +8619,7 @@
             <a:fld id="{D0E1FCD0-22DB-48A4-B5C5-6EBEA09774FA}" type="datetime4">
               <a:rPr lang="en-GB" smtClean="0"/>
               <a:pPr/>
-              <a:t>01 October 2024</a:t>
+              <a:t>02 October 2024</a:t>
             </a:fld>
             <a:endParaRPr lang="en-GB" dirty="0"/>
           </a:p>
@@ -9026,7 +9026,7 @@
             <a:fld id="{D0E1FCD0-22DB-48A4-B5C5-6EBEA09774FA}" type="datetime4">
               <a:rPr lang="en-GB" smtClean="0"/>
               <a:pPr/>
-              <a:t>01 October 2024</a:t>
+              <a:t>02 October 2024</a:t>
             </a:fld>
             <a:endParaRPr lang="en-GB" dirty="0"/>
           </a:p>
@@ -9492,7 +9492,7 @@
             <a:fld id="{D0E1FCD0-22DB-48A4-B5C5-6EBEA09774FA}" type="datetime4">
               <a:rPr lang="en-GB" smtClean="0"/>
               <a:pPr/>
-              <a:t>01 October 2024</a:t>
+              <a:t>02 October 2024</a:t>
             </a:fld>
             <a:endParaRPr lang="en-GB" dirty="0"/>
           </a:p>
@@ -10393,7 +10393,7 @@
             <a:fld id="{D0E1FCD0-22DB-48A4-B5C5-6EBEA09774FA}" type="datetime4">
               <a:rPr lang="en-GB" smtClean="0"/>
               <a:pPr/>
-              <a:t>01 October 2024</a:t>
+              <a:t>02 October 2024</a:t>
             </a:fld>
             <a:endParaRPr lang="en-GB" dirty="0"/>
           </a:p>
@@ -10828,7 +10828,7 @@
             <a:fld id="{D0E1FCD0-22DB-48A4-B5C5-6EBEA09774FA}" type="datetime4">
               <a:rPr lang="en-GB" smtClean="0"/>
               <a:pPr/>
-              <a:t>01 October 2024</a:t>
+              <a:t>02 October 2024</a:t>
             </a:fld>
             <a:endParaRPr lang="en-GB" dirty="0"/>
           </a:p>
@@ -11371,7 +11371,7 @@
             <a:fld id="{D0E1FCD0-22DB-48A4-B5C5-6EBEA09774FA}" type="datetime4">
               <a:rPr lang="en-GB" smtClean="0"/>
               <a:pPr/>
-              <a:t>01 October 2024</a:t>
+              <a:t>02 October 2024</a:t>
             </a:fld>
             <a:endParaRPr lang="en-GB" dirty="0"/>
           </a:p>
@@ -11946,7 +11946,7 @@
             <a:fld id="{D0E1FCD0-22DB-48A4-B5C5-6EBEA09774FA}" type="datetime4">
               <a:rPr lang="en-GB" smtClean="0"/>
               <a:pPr/>
-              <a:t>01 October 2024</a:t>
+              <a:t>02 October 2024</a:t>
             </a:fld>
             <a:endParaRPr lang="en-GB" dirty="0"/>
           </a:p>
@@ -12521,7 +12521,7 @@
             <a:fld id="{D0E1FCD0-22DB-48A4-B5C5-6EBEA09774FA}" type="datetime4">
               <a:rPr lang="en-GB" smtClean="0"/>
               <a:pPr/>
-              <a:t>01 October 2024</a:t>
+              <a:t>02 October 2024</a:t>
             </a:fld>
             <a:endParaRPr lang="en-GB" dirty="0"/>
           </a:p>
@@ -12791,7 +12791,7 @@
             <a:fld id="{D0E1FCD0-22DB-48A4-B5C5-6EBEA09774FA}" type="datetime4">
               <a:rPr lang="en-GB" smtClean="0"/>
               <a:pPr/>
-              <a:t>01 October 2024</a:t>
+              <a:t>02 October 2024</a:t>
             </a:fld>
             <a:endParaRPr lang="en-GB" dirty="0"/>
           </a:p>
@@ -28836,7 +28836,7 @@
         </p:spPr>
         <p:txBody>
           <a:bodyPr>
-            <a:normAutofit lnSpcReduction="10000"/>
+            <a:normAutofit fontScale="92500" lnSpcReduction="10000"/>
           </a:bodyPr>
           <a:lstStyle/>
           <a:p>
@@ -28846,6 +28846,13 @@
             <a:r>
               <a:rPr lang="en-GB" noProof="0" dirty="0"/>
               <a:t>Large Language Models generate text based on probabilistic methods</a:t>
+            </a:r>
+            <a:br>
+              <a:rPr lang="en-GB" noProof="0" dirty="0"/>
+            </a:br>
+            <a:r>
+              <a:rPr lang="en-GB" noProof="0" dirty="0"/>
+              <a:t>and training data</a:t>
             </a:r>
           </a:p>
           <a:p>
@@ -29224,7 +29231,7 @@
                                         <p:tgtEl>
                                           <p:spTgt spid="9">
                                             <p:txEl>
-                                              <p:pRg st="0" end="0"/>
+                                              <p:pRg st="2" end="2"/>
                                             </p:txEl>
                                           </p:spTgt>
                                         </p:tgtEl>
@@ -29273,7 +29280,7 @@
                                         <p:tgtEl>
                                           <p:spTgt spid="9">
                                             <p:txEl>
-                                              <p:pRg st="2" end="2"/>
+                                              <p:pRg st="4" end="4"/>
                                             </p:txEl>
                                           </p:spTgt>
                                         </p:tgtEl>
@@ -29322,7 +29329,7 @@
                                         <p:tgtEl>
                                           <p:spTgt spid="9">
                                             <p:txEl>
-                                              <p:pRg st="4" end="4"/>
+                                              <p:pRg st="6" end="6"/>
                                             </p:txEl>
                                           </p:spTgt>
                                         </p:tgtEl>
@@ -29356,7 +29363,7 @@
                             </p:stCondLst>
                             <p:childTnLst>
                               <p:par>
-                                <p:cTn id="17" presetID="1" presetClass="entr" presetSubtype="0" fill="hold" nodeType="clickEffect">
+                                <p:cTn id="17" presetID="1" presetClass="entr" presetSubtype="0" fill="hold" grpId="0" nodeType="clickEffect">
                                   <p:stCondLst>
                                     <p:cond delay="0"/>
                                   </p:stCondLst>
@@ -29364,55 +29371,6 @@
                                     <p:set>
                                       <p:cBhvr>
                                         <p:cTn id="18" dur="1" fill="hold">
-                                          <p:stCondLst>
-                                            <p:cond delay="0"/>
-                                          </p:stCondLst>
-                                        </p:cTn>
-                                        <p:tgtEl>
-                                          <p:spTgt spid="9">
-                                            <p:txEl>
-                                              <p:pRg st="6" end="6"/>
-                                            </p:txEl>
-                                          </p:spTgt>
-                                        </p:tgtEl>
-                                        <p:attrNameLst>
-                                          <p:attrName>style.visibility</p:attrName>
-                                        </p:attrNameLst>
-                                      </p:cBhvr>
-                                      <p:to>
-                                        <p:strVal val="visible"/>
-                                      </p:to>
-                                    </p:set>
-                                  </p:childTnLst>
-                                </p:cTn>
-                              </p:par>
-                            </p:childTnLst>
-                          </p:cTn>
-                        </p:par>
-                      </p:childTnLst>
-                    </p:cTn>
-                  </p:par>
-                  <p:par>
-                    <p:cTn id="19" fill="hold">
-                      <p:stCondLst>
-                        <p:cond delay="indefinite"/>
-                      </p:stCondLst>
-                      <p:childTnLst>
-                        <p:par>
-                          <p:cTn id="20" fill="hold">
-                            <p:stCondLst>
-                              <p:cond delay="0"/>
-                            </p:stCondLst>
-                            <p:childTnLst>
-                              <p:par>
-                                <p:cTn id="21" presetID="1" presetClass="entr" presetSubtype="0" fill="hold" grpId="0" nodeType="clickEffect">
-                                  <p:stCondLst>
-                                    <p:cond delay="0"/>
-                                  </p:stCondLst>
-                                  <p:childTnLst>
-                                    <p:set>
-                                      <p:cBhvr>
-                                        <p:cTn id="22" dur="1" fill="hold">
                                           <p:stCondLst>
                                             <p:cond delay="0"/>
                                           </p:stCondLst>
@@ -29432,14 +29390,14 @@
                                 </p:cTn>
                               </p:par>
                               <p:par>
-                                <p:cTn id="23" presetID="1" presetClass="entr" presetSubtype="0" fill="hold" grpId="0" nodeType="withEffect">
+                                <p:cTn id="19" presetID="1" presetClass="entr" presetSubtype="0" fill="hold" grpId="0" nodeType="withEffect">
                                   <p:stCondLst>
                                     <p:cond delay="0"/>
                                   </p:stCondLst>
                                   <p:childTnLst>
                                     <p:set>
                                       <p:cBhvr>
-                                        <p:cTn id="24" dur="1" fill="hold">
+                                        <p:cTn id="20" dur="1" fill="hold">
                                           <p:stCondLst>
                                             <p:cond delay="0"/>
                                           </p:stCondLst>
@@ -31392,8 +31350,29 @@
             </a:pPr>
             <a:r>
               <a:rPr lang="en-GB" noProof="0" dirty="0"/>
-              <a:t>Natural Language Processing: decoding and interpreting information stored in natural language</a:t>
-            </a:r>
+              <a:t>Natural Language Processing (NLP): decoding and interpreting information stored in natural language</a:t>
+            </a:r>
+            <a:endParaRPr lang="en-GB" dirty="0"/>
+          </a:p>
+          <a:p>
+            <a:pPr marL="0" indent="0">
+              <a:buNone/>
+            </a:pPr>
+            <a:endParaRPr lang="en-GB" noProof="0" dirty="0"/>
+          </a:p>
+          <a:p>
+            <a:pPr marL="0" indent="0">
+              <a:buNone/>
+            </a:pPr>
+            <a:r>
+              <a:rPr lang="en-GB" noProof="0" dirty="0"/>
+              <a:t>Various tasks are included, such as sentiment analysis</a:t>
+            </a:r>
+            <a:r>
+              <a:rPr lang="en-GB" dirty="0"/>
+              <a:t> or argument mining</a:t>
+            </a:r>
+            <a:endParaRPr lang="en-GB" noProof="0" dirty="0"/>
           </a:p>
           <a:p>
             <a:pPr marL="0" indent="0">
@@ -31428,7 +31407,7 @@
         </p:nvSpPr>
         <p:spPr>
           <a:xfrm>
-            <a:off x="2296772" y="3553831"/>
+            <a:off x="2036556" y="4168118"/>
             <a:ext cx="1699164" cy="465687"/>
           </a:xfrm>
           <a:prstGeom prst="rect">
@@ -31604,7 +31583,7 @@
         </p:nvSpPr>
         <p:spPr bwMode="auto">
           <a:xfrm rot="10800000">
-            <a:off x="1403648" y="3645024"/>
+            <a:off x="1143432" y="4259311"/>
             <a:ext cx="986436" cy="283301"/>
           </a:xfrm>
           <a:prstGeom prst="leftArrow">
@@ -31677,7 +31656,7 @@
         </p:nvSpPr>
         <p:spPr>
           <a:xfrm>
-            <a:off x="899592" y="4394102"/>
+            <a:off x="1002530" y="4677968"/>
             <a:ext cx="2771749" cy="1404945"/>
           </a:xfrm>
           <a:prstGeom prst="rect">
@@ -31897,7 +31876,7 @@
         </p:nvSpPr>
         <p:spPr bwMode="auto">
           <a:xfrm rot="10800000">
-            <a:off x="3684996" y="4904264"/>
+            <a:off x="3787934" y="5188130"/>
             <a:ext cx="986436" cy="384617"/>
           </a:xfrm>
           <a:prstGeom prst="leftArrow">
@@ -31970,7 +31949,7 @@
         </p:nvSpPr>
         <p:spPr>
           <a:xfrm>
-            <a:off x="4685086" y="4390375"/>
+            <a:off x="4788024" y="4674241"/>
             <a:ext cx="3315482" cy="1404945"/>
           </a:xfrm>
           <a:prstGeom prst="rect">
@@ -32210,7 +32189,7 @@
                                         <p:tgtEl>
                                           <p:spTgt spid="9">
                                             <p:txEl>
-                                              <p:pRg st="0" end="0"/>
+                                              <p:pRg st="2" end="2"/>
                                             </p:txEl>
                                           </p:spTgt>
                                         </p:tgtEl>
@@ -32259,7 +32238,7 @@
                                         <p:tgtEl>
                                           <p:spTgt spid="9">
                                             <p:txEl>
-                                              <p:pRg st="2" end="2"/>
+                                              <p:pRg st="4" end="4"/>
                                             </p:txEl>
                                           </p:spTgt>
                                         </p:tgtEl>
@@ -33606,11 +33585,34 @@
                                           </p:stCondLst>
                                         </p:cTn>
                                         <p:tgtEl>
-                                          <p:spTgt spid="9">
-                                            <p:txEl>
-                                              <p:pRg st="0" end="0"/>
-                                            </p:txEl>
-                                          </p:spTgt>
+                                          <p:spTgt spid="3"/>
+                                        </p:tgtEl>
+                                        <p:attrNameLst>
+                                          <p:attrName>style.visibility</p:attrName>
+                                        </p:attrNameLst>
+                                      </p:cBhvr>
+                                      <p:to>
+                                        <p:strVal val="visible"/>
+                                      </p:to>
+                                    </p:set>
+                                  </p:childTnLst>
+                                </p:cTn>
+                              </p:par>
+                              <p:par>
+                                <p:cTn id="7" presetID="1" presetClass="entr" presetSubtype="0" fill="hold" grpId="0" nodeType="withEffect">
+                                  <p:stCondLst>
+                                    <p:cond delay="0"/>
+                                  </p:stCondLst>
+                                  <p:childTnLst>
+                                    <p:set>
+                                      <p:cBhvr>
+                                        <p:cTn id="8" dur="1" fill="hold">
+                                          <p:stCondLst>
+                                            <p:cond delay="0"/>
+                                          </p:stCondLst>
+                                        </p:cTn>
+                                        <p:tgtEl>
+                                          <p:spTgt spid="6"/>
                                         </p:tgtEl>
                                         <p:attrNameLst>
                                           <p:attrName>style.visibility</p:attrName>
@@ -33630,46 +33632,19 @@
                     </p:cTn>
                   </p:par>
                   <p:par>
-                    <p:cTn id="7" fill="hold">
+                    <p:cTn id="9" fill="hold">
                       <p:stCondLst>
                         <p:cond delay="indefinite"/>
                       </p:stCondLst>
                       <p:childTnLst>
                         <p:par>
-                          <p:cTn id="8" fill="hold">
+                          <p:cTn id="10" fill="hold">
                             <p:stCondLst>
                               <p:cond delay="0"/>
                             </p:stCondLst>
                             <p:childTnLst>
                               <p:par>
-                                <p:cTn id="9" presetID="1" presetClass="entr" presetSubtype="0" fill="hold" grpId="0" nodeType="clickEffect">
-                                  <p:stCondLst>
-                                    <p:cond delay="0"/>
-                                  </p:stCondLst>
-                                  <p:childTnLst>
-                                    <p:set>
-                                      <p:cBhvr>
-                                        <p:cTn id="10" dur="1" fill="hold">
-                                          <p:stCondLst>
-                                            <p:cond delay="0"/>
-                                          </p:stCondLst>
-                                        </p:cTn>
-                                        <p:tgtEl>
-                                          <p:spTgt spid="3"/>
-                                        </p:tgtEl>
-                                        <p:attrNameLst>
-                                          <p:attrName>style.visibility</p:attrName>
-                                        </p:attrNameLst>
-                                      </p:cBhvr>
-                                      <p:to>
-                                        <p:strVal val="visible"/>
-                                      </p:to>
-                                    </p:set>
-                                  </p:childTnLst>
-                                </p:cTn>
-                              </p:par>
-                              <p:par>
-                                <p:cTn id="11" presetID="1" presetClass="entr" presetSubtype="0" fill="hold" grpId="0" nodeType="withEffect">
+                                <p:cTn id="11" presetID="1" presetClass="entr" presetSubtype="0" fill="hold" grpId="0" nodeType="clickEffect">
                                   <p:stCondLst>
                                     <p:cond delay="0"/>
                                   </p:stCondLst>
@@ -33682,7 +33657,7 @@
                                           </p:stCondLst>
                                         </p:cTn>
                                         <p:tgtEl>
-                                          <p:spTgt spid="6"/>
+                                          <p:spTgt spid="8"/>
                                         </p:tgtEl>
                                         <p:attrNameLst>
                                           <p:attrName>style.visibility</p:attrName>
@@ -33714,7 +33689,7 @@
                             </p:stCondLst>
                             <p:childTnLst>
                               <p:par>
-                                <p:cTn id="15" presetID="1" presetClass="entr" presetSubtype="0" fill="hold" grpId="0" nodeType="clickEffect">
+                                <p:cTn id="15" presetID="1" presetClass="entr" presetSubtype="0" fill="hold" nodeType="clickEffect">
                                   <p:stCondLst>
                                     <p:cond delay="0"/>
                                   </p:stCondLst>
@@ -33722,51 +33697,6 @@
                                     <p:set>
                                       <p:cBhvr>
                                         <p:cTn id="16" dur="1" fill="hold">
-                                          <p:stCondLst>
-                                            <p:cond delay="0"/>
-                                          </p:stCondLst>
-                                        </p:cTn>
-                                        <p:tgtEl>
-                                          <p:spTgt spid="8"/>
-                                        </p:tgtEl>
-                                        <p:attrNameLst>
-                                          <p:attrName>style.visibility</p:attrName>
-                                        </p:attrNameLst>
-                                      </p:cBhvr>
-                                      <p:to>
-                                        <p:strVal val="visible"/>
-                                      </p:to>
-                                    </p:set>
-                                  </p:childTnLst>
-                                </p:cTn>
-                              </p:par>
-                            </p:childTnLst>
-                          </p:cTn>
-                        </p:par>
-                      </p:childTnLst>
-                    </p:cTn>
-                  </p:par>
-                  <p:par>
-                    <p:cTn id="17" fill="hold">
-                      <p:stCondLst>
-                        <p:cond delay="indefinite"/>
-                      </p:stCondLst>
-                      <p:childTnLst>
-                        <p:par>
-                          <p:cTn id="18" fill="hold">
-                            <p:stCondLst>
-                              <p:cond delay="0"/>
-                            </p:stCondLst>
-                            <p:childTnLst>
-                              <p:par>
-                                <p:cTn id="19" presetID="1" presetClass="entr" presetSubtype="0" fill="hold" nodeType="clickEffect">
-                                  <p:stCondLst>
-                                    <p:cond delay="0"/>
-                                  </p:stCondLst>
-                                  <p:childTnLst>
-                                    <p:set>
-                                      <p:cBhvr>
-                                        <p:cTn id="20" dur="1" fill="hold">
                                           <p:stCondLst>
                                             <p:cond delay="0"/>
                                           </p:stCondLst>
@@ -33790,14 +33720,14 @@
                                 </p:cTn>
                               </p:par>
                               <p:par>
-                                <p:cTn id="21" presetID="1" presetClass="entr" presetSubtype="0" fill="hold" nodeType="withEffect">
+                                <p:cTn id="17" presetID="1" presetClass="entr" presetSubtype="0" fill="hold" nodeType="withEffect">
                                   <p:stCondLst>
                                     <p:cond delay="0"/>
                                   </p:stCondLst>
                                   <p:childTnLst>
                                     <p:set>
                                       <p:cBhvr>
-                                        <p:cTn id="22" dur="1" fill="hold">
+                                        <p:cTn id="18" dur="1" fill="hold">
                                           <p:stCondLst>
                                             <p:cond delay="0"/>
                                           </p:stCondLst>
@@ -33821,14 +33751,14 @@
                                 </p:cTn>
                               </p:par>
                               <p:par>
-                                <p:cTn id="23" presetID="1" presetClass="entr" presetSubtype="0" fill="hold" nodeType="withEffect">
+                                <p:cTn id="19" presetID="1" presetClass="entr" presetSubtype="0" fill="hold" nodeType="withEffect">
                                   <p:stCondLst>
                                     <p:cond delay="0"/>
                                   </p:stCondLst>
                                   <p:childTnLst>
                                     <p:set>
                                       <p:cBhvr>
-                                        <p:cTn id="24" dur="1" fill="hold">
+                                        <p:cTn id="20" dur="1" fill="hold">
                                           <p:stCondLst>
                                             <p:cond delay="0"/>
                                           </p:stCondLst>
@@ -33858,26 +33788,26 @@
                     </p:cTn>
                   </p:par>
                   <p:par>
-                    <p:cTn id="25" fill="hold">
+                    <p:cTn id="21" fill="hold">
                       <p:stCondLst>
                         <p:cond delay="indefinite"/>
                       </p:stCondLst>
                       <p:childTnLst>
                         <p:par>
-                          <p:cTn id="26" fill="hold">
+                          <p:cTn id="22" fill="hold">
                             <p:stCondLst>
                               <p:cond delay="0"/>
                             </p:stCondLst>
                             <p:childTnLst>
                               <p:par>
-                                <p:cTn id="27" presetID="1" presetClass="entr" presetSubtype="0" fill="hold" grpId="0" nodeType="clickEffect">
+                                <p:cTn id="23" presetID="1" presetClass="entr" presetSubtype="0" fill="hold" grpId="0" nodeType="clickEffect">
                                   <p:stCondLst>
                                     <p:cond delay="0"/>
                                   </p:stCondLst>
                                   <p:childTnLst>
                                     <p:set>
                                       <p:cBhvr>
-                                        <p:cTn id="28" dur="1" fill="hold">
+                                        <p:cTn id="24" dur="1" fill="hold">
                                           <p:stCondLst>
                                             <p:cond delay="0"/>
                                           </p:stCondLst>
@@ -33897,14 +33827,14 @@
                                 </p:cTn>
                               </p:par>
                               <p:par>
-                                <p:cTn id="29" presetID="1" presetClass="entr" presetSubtype="0" fill="hold" grpId="0" nodeType="withEffect">
+                                <p:cTn id="25" presetID="1" presetClass="entr" presetSubtype="0" fill="hold" grpId="0" nodeType="withEffect">
                                   <p:stCondLst>
                                     <p:cond delay="0"/>
                                   </p:stCondLst>
                                   <p:childTnLst>
                                     <p:set>
                                       <p:cBhvr>
-                                        <p:cTn id="30" dur="1" fill="hold">
+                                        <p:cTn id="26" dur="1" fill="hold">
                                           <p:stCondLst>
                                             <p:cond delay="0"/>
                                           </p:stCondLst>
@@ -33951,7 +33881,6 @@
       </p:par>
     </p:tnLst>
     <p:bldLst>
-      <p:bldP spid="9" grpId="0" build="p"/>
       <p:bldP spid="3" grpId="0" animBg="1"/>
       <p:bldP spid="6" grpId="0"/>
       <p:bldP spid="8" grpId="0"/>
@@ -34217,6 +34146,9 @@
                     <p:cTn id="3" fill="hold">
                       <p:stCondLst>
                         <p:cond delay="indefinite"/>
+                        <p:cond evt="onBegin" delay="0">
+                          <p:tn val="2"/>
+                        </p:cond>
                       </p:stCondLst>
                       <p:childTnLst>
                         <p:par>
@@ -34226,7 +34158,7 @@
                             </p:stCondLst>
                             <p:childTnLst>
                               <p:par>
-                                <p:cTn id="5" presetID="1" presetClass="entr" presetSubtype="0" fill="hold" nodeType="clickEffect">
+                                <p:cTn id="5" presetID="1" presetClass="entr" presetSubtype="0" fill="hold" nodeType="withEffect">
                                   <p:stCondLst>
                                     <p:cond delay="0"/>
                                   </p:stCondLst>
@@ -34234,37 +34166,6 @@
                                     <p:set>
                                       <p:cBhvr>
                                         <p:cTn id="6" dur="1" fill="hold">
-                                          <p:stCondLst>
-                                            <p:cond delay="0"/>
-                                          </p:stCondLst>
-                                        </p:cTn>
-                                        <p:tgtEl>
-                                          <p:spTgt spid="9">
-                                            <p:txEl>
-                                              <p:pRg st="0" end="0"/>
-                                            </p:txEl>
-                                          </p:spTgt>
-                                        </p:tgtEl>
-                                        <p:attrNameLst>
-                                          <p:attrName>style.visibility</p:attrName>
-                                        </p:attrNameLst>
-                                      </p:cBhvr>
-                                      <p:to>
-                                        <p:strVal val="visible"/>
-                                      </p:to>
-                                    </p:set>
-                                  </p:childTnLst>
-                                </p:cTn>
-                              </p:par>
-                              <p:par>
-                                <p:cTn id="7" presetID="1" presetClass="entr" presetSubtype="0" fill="hold" nodeType="withEffect">
-                                  <p:stCondLst>
-                                    <p:cond delay="0"/>
-                                  </p:stCondLst>
-                                  <p:childTnLst>
-                                    <p:set>
-                                      <p:cBhvr>
-                                        <p:cTn id="8" dur="1" fill="hold">
                                           <p:stCondLst>
                                             <p:cond delay="0"/>
                                           </p:stCondLst>
@@ -34294,26 +34195,26 @@
                     </p:cTn>
                   </p:par>
                   <p:par>
-                    <p:cTn id="9" fill="hold">
+                    <p:cTn id="7" fill="hold">
                       <p:stCondLst>
                         <p:cond delay="indefinite"/>
                       </p:stCondLst>
                       <p:childTnLst>
                         <p:par>
-                          <p:cTn id="10" fill="hold">
+                          <p:cTn id="8" fill="hold">
                             <p:stCondLst>
                               <p:cond delay="0"/>
                             </p:stCondLst>
                             <p:childTnLst>
                               <p:par>
-                                <p:cTn id="11" presetID="1" presetClass="entr" presetSubtype="0" fill="hold" nodeType="clickEffect">
+                                <p:cTn id="9" presetID="1" presetClass="entr" presetSubtype="0" fill="hold" nodeType="clickEffect">
                                   <p:stCondLst>
                                     <p:cond delay="0"/>
                                   </p:stCondLst>
                                   <p:childTnLst>
                                     <p:set>
                                       <p:cBhvr>
-                                        <p:cTn id="12" dur="1" fill="hold">
+                                        <p:cTn id="10" dur="1" fill="hold">
                                           <p:stCondLst>
                                             <p:cond delay="0"/>
                                           </p:stCondLst>
@@ -34343,26 +34244,26 @@
                     </p:cTn>
                   </p:par>
                   <p:par>
-                    <p:cTn id="13" fill="hold">
+                    <p:cTn id="11" fill="hold">
                       <p:stCondLst>
                         <p:cond delay="indefinite"/>
                       </p:stCondLst>
                       <p:childTnLst>
                         <p:par>
-                          <p:cTn id="14" fill="hold">
+                          <p:cTn id="12" fill="hold">
                             <p:stCondLst>
                               <p:cond delay="0"/>
                             </p:stCondLst>
                             <p:childTnLst>
                               <p:par>
-                                <p:cTn id="15" presetID="1" presetClass="entr" presetSubtype="0" fill="hold" nodeType="clickEffect">
+                                <p:cTn id="13" presetID="1" presetClass="entr" presetSubtype="0" fill="hold" nodeType="clickEffect">
                                   <p:stCondLst>
                                     <p:cond delay="0"/>
                                   </p:stCondLst>
                                   <p:childTnLst>
                                     <p:set>
                                       <p:cBhvr>
-                                        <p:cTn id="16" dur="1" fill="hold">
+                                        <p:cTn id="14" dur="1" fill="hold">
                                           <p:stCondLst>
                                             <p:cond delay="0"/>
                                           </p:stCondLst>
@@ -34386,14 +34287,14 @@
                                 </p:cTn>
                               </p:par>
                               <p:par>
-                                <p:cTn id="17" presetID="1" presetClass="entr" presetSubtype="0" fill="hold" nodeType="withEffect">
+                                <p:cTn id="15" presetID="1" presetClass="entr" presetSubtype="0" fill="hold" nodeType="withEffect">
                                   <p:stCondLst>
                                     <p:cond delay="0"/>
                                   </p:stCondLst>
                                   <p:childTnLst>
                                     <p:set>
                                       <p:cBhvr>
-                                        <p:cTn id="18" dur="1" fill="hold">
+                                        <p:cTn id="16" dur="1" fill="hold">
                                           <p:stCondLst>
                                             <p:cond delay="0"/>
                                           </p:stCondLst>
@@ -34423,26 +34324,26 @@
                     </p:cTn>
                   </p:par>
                   <p:par>
-                    <p:cTn id="19" fill="hold">
+                    <p:cTn id="17" fill="hold">
                       <p:stCondLst>
                         <p:cond delay="indefinite"/>
                       </p:stCondLst>
                       <p:childTnLst>
                         <p:par>
-                          <p:cTn id="20" fill="hold">
+                          <p:cTn id="18" fill="hold">
                             <p:stCondLst>
                               <p:cond delay="0"/>
                             </p:stCondLst>
                             <p:childTnLst>
                               <p:par>
-                                <p:cTn id="21" presetID="1" presetClass="entr" presetSubtype="0" fill="hold" nodeType="clickEffect">
+                                <p:cTn id="19" presetID="1" presetClass="entr" presetSubtype="0" fill="hold" nodeType="clickEffect">
                                   <p:stCondLst>
                                     <p:cond delay="0"/>
                                   </p:stCondLst>
                                   <p:childTnLst>
                                     <p:set>
                                       <p:cBhvr>
-                                        <p:cTn id="22" dur="1" fill="hold">
+                                        <p:cTn id="20" dur="1" fill="hold">
                                           <p:stCondLst>
                                             <p:cond delay="0"/>
                                           </p:stCondLst>
@@ -34472,26 +34373,26 @@
                     </p:cTn>
                   </p:par>
                   <p:par>
-                    <p:cTn id="23" fill="hold">
+                    <p:cTn id="21" fill="hold">
                       <p:stCondLst>
                         <p:cond delay="indefinite"/>
                       </p:stCondLst>
                       <p:childTnLst>
                         <p:par>
-                          <p:cTn id="24" fill="hold">
+                          <p:cTn id="22" fill="hold">
                             <p:stCondLst>
                               <p:cond delay="0"/>
                             </p:stCondLst>
                             <p:childTnLst>
                               <p:par>
-                                <p:cTn id="25" presetID="1" presetClass="entr" presetSubtype="0" fill="hold" nodeType="clickEffect">
+                                <p:cTn id="23" presetID="1" presetClass="entr" presetSubtype="0" fill="hold" nodeType="clickEffect">
                                   <p:stCondLst>
                                     <p:cond delay="0"/>
                                   </p:stCondLst>
                                   <p:childTnLst>
                                     <p:set>
                                       <p:cBhvr>
-                                        <p:cTn id="26" dur="1" fill="hold">
+                                        <p:cTn id="24" dur="1" fill="hold">
                                           <p:stCondLst>
                                             <p:cond delay="0"/>
                                           </p:stCondLst>
@@ -34991,6 +34892,9 @@
                     <p:cTn id="3" fill="hold">
                       <p:stCondLst>
                         <p:cond delay="indefinite"/>
+                        <p:cond evt="onBegin" delay="0">
+                          <p:tn val="2"/>
+                        </p:cond>
                       </p:stCondLst>
                       <p:childTnLst>
                         <p:par>
@@ -35000,7 +34904,7 @@
                             </p:stCondLst>
                             <p:childTnLst>
                               <p:par>
-                                <p:cTn id="5" presetID="1" presetClass="entr" presetSubtype="0" fill="hold" nodeType="clickEffect">
+                                <p:cTn id="5" presetID="1" presetClass="entr" presetSubtype="0" fill="hold" nodeType="withEffect">
                                   <p:stCondLst>
                                     <p:cond delay="0"/>
                                   </p:stCondLst>
@@ -35008,37 +34912,6 @@
                                     <p:set>
                                       <p:cBhvr>
                                         <p:cTn id="6" dur="1" fill="hold">
-                                          <p:stCondLst>
-                                            <p:cond delay="0"/>
-                                          </p:stCondLst>
-                                        </p:cTn>
-                                        <p:tgtEl>
-                                          <p:spTgt spid="9">
-                                            <p:txEl>
-                                              <p:pRg st="0" end="0"/>
-                                            </p:txEl>
-                                          </p:spTgt>
-                                        </p:tgtEl>
-                                        <p:attrNameLst>
-                                          <p:attrName>style.visibility</p:attrName>
-                                        </p:attrNameLst>
-                                      </p:cBhvr>
-                                      <p:to>
-                                        <p:strVal val="visible"/>
-                                      </p:to>
-                                    </p:set>
-                                  </p:childTnLst>
-                                </p:cTn>
-                              </p:par>
-                              <p:par>
-                                <p:cTn id="7" presetID="1" presetClass="entr" presetSubtype="0" fill="hold" nodeType="withEffect">
-                                  <p:stCondLst>
-                                    <p:cond delay="0"/>
-                                  </p:stCondLst>
-                                  <p:childTnLst>
-                                    <p:set>
-                                      <p:cBhvr>
-                                        <p:cTn id="8" dur="1" fill="hold">
                                           <p:stCondLst>
                                             <p:cond delay="0"/>
                                           </p:stCondLst>
@@ -35068,26 +34941,26 @@
                     </p:cTn>
                   </p:par>
                   <p:par>
-                    <p:cTn id="9" fill="hold">
+                    <p:cTn id="7" fill="hold">
                       <p:stCondLst>
                         <p:cond delay="indefinite"/>
                       </p:stCondLst>
                       <p:childTnLst>
                         <p:par>
-                          <p:cTn id="10" fill="hold">
+                          <p:cTn id="8" fill="hold">
                             <p:stCondLst>
                               <p:cond delay="0"/>
                             </p:stCondLst>
                             <p:childTnLst>
                               <p:par>
-                                <p:cTn id="11" presetID="1" presetClass="entr" presetSubtype="0" fill="hold" nodeType="clickEffect">
+                                <p:cTn id="9" presetID="1" presetClass="entr" presetSubtype="0" fill="hold" nodeType="clickEffect">
                                   <p:stCondLst>
                                     <p:cond delay="0"/>
                                   </p:stCondLst>
                                   <p:childTnLst>
                                     <p:set>
                                       <p:cBhvr>
-                                        <p:cTn id="12" dur="1" fill="hold">
+                                        <p:cTn id="10" dur="1" fill="hold">
                                           <p:stCondLst>
                                             <p:cond delay="0"/>
                                           </p:stCondLst>
@@ -35111,14 +34984,14 @@
                                 </p:cTn>
                               </p:par>
                               <p:par>
-                                <p:cTn id="13" presetID="1" presetClass="entr" presetSubtype="0" fill="hold" nodeType="withEffect">
+                                <p:cTn id="11" presetID="1" presetClass="entr" presetSubtype="0" fill="hold" nodeType="withEffect">
                                   <p:stCondLst>
                                     <p:cond delay="0"/>
                                   </p:stCondLst>
                                   <p:childTnLst>
                                     <p:set>
                                       <p:cBhvr>
-                                        <p:cTn id="14" dur="1" fill="hold">
+                                        <p:cTn id="12" dur="1" fill="hold">
                                           <p:stCondLst>
                                             <p:cond delay="0"/>
                                           </p:stCondLst>
@@ -35148,26 +35021,26 @@
                     </p:cTn>
                   </p:par>
                   <p:par>
-                    <p:cTn id="15" fill="hold">
+                    <p:cTn id="13" fill="hold">
                       <p:stCondLst>
                         <p:cond delay="indefinite"/>
                       </p:stCondLst>
                       <p:childTnLst>
                         <p:par>
-                          <p:cTn id="16" fill="hold">
+                          <p:cTn id="14" fill="hold">
                             <p:stCondLst>
                               <p:cond delay="0"/>
                             </p:stCondLst>
                             <p:childTnLst>
                               <p:par>
-                                <p:cTn id="17" presetID="1" presetClass="entr" presetSubtype="0" fill="hold" nodeType="clickEffect">
+                                <p:cTn id="15" presetID="1" presetClass="entr" presetSubtype="0" fill="hold" nodeType="clickEffect">
                                   <p:stCondLst>
                                     <p:cond delay="0"/>
                                   </p:stCondLst>
                                   <p:childTnLst>
                                     <p:set>
                                       <p:cBhvr>
-                                        <p:cTn id="18" dur="1" fill="hold">
+                                        <p:cTn id="16" dur="1" fill="hold">
                                           <p:stCondLst>
                                             <p:cond delay="0"/>
                                           </p:stCondLst>
@@ -35197,26 +35070,26 @@
                     </p:cTn>
                   </p:par>
                   <p:par>
-                    <p:cTn id="19" fill="hold">
+                    <p:cTn id="17" fill="hold">
                       <p:stCondLst>
                         <p:cond delay="indefinite"/>
                       </p:stCondLst>
                       <p:childTnLst>
                         <p:par>
-                          <p:cTn id="20" fill="hold">
+                          <p:cTn id="18" fill="hold">
                             <p:stCondLst>
                               <p:cond delay="0"/>
                             </p:stCondLst>
                             <p:childTnLst>
                               <p:par>
-                                <p:cTn id="21" presetID="1" presetClass="entr" presetSubtype="0" fill="hold" nodeType="clickEffect">
+                                <p:cTn id="19" presetID="1" presetClass="entr" presetSubtype="0" fill="hold" nodeType="clickEffect">
                                   <p:stCondLst>
                                     <p:cond delay="0"/>
                                   </p:stCondLst>
                                   <p:childTnLst>
                                     <p:set>
                                       <p:cBhvr>
-                                        <p:cTn id="22" dur="1" fill="hold">
+                                        <p:cTn id="20" dur="1" fill="hold">
                                           <p:stCondLst>
                                             <p:cond delay="0"/>
                                           </p:stCondLst>
@@ -35246,26 +35119,26 @@
                     </p:cTn>
                   </p:par>
                   <p:par>
-                    <p:cTn id="23" fill="hold">
+                    <p:cTn id="21" fill="hold">
                       <p:stCondLst>
                         <p:cond delay="indefinite"/>
                       </p:stCondLst>
                       <p:childTnLst>
                         <p:par>
-                          <p:cTn id="24" fill="hold">
+                          <p:cTn id="22" fill="hold">
                             <p:stCondLst>
                               <p:cond delay="0"/>
                             </p:stCondLst>
                             <p:childTnLst>
                               <p:par>
-                                <p:cTn id="25" presetID="1" presetClass="entr" presetSubtype="0" fill="hold" nodeType="clickEffect">
+                                <p:cTn id="23" presetID="1" presetClass="entr" presetSubtype="0" fill="hold" nodeType="clickEffect">
                                   <p:stCondLst>
                                     <p:cond delay="0"/>
                                   </p:stCondLst>
                                   <p:childTnLst>
                                     <p:set>
                                       <p:cBhvr>
-                                        <p:cTn id="26" dur="1" fill="hold">
+                                        <p:cTn id="24" dur="1" fill="hold">
                                           <p:stCondLst>
                                             <p:cond delay="0"/>
                                           </p:stCondLst>
@@ -35697,6 +35570,9 @@
                     <p:cTn id="3" fill="hold">
                       <p:stCondLst>
                         <p:cond delay="indefinite"/>
+                        <p:cond evt="onBegin" delay="0">
+                          <p:tn val="2"/>
+                        </p:cond>
                       </p:stCondLst>
                       <p:childTnLst>
                         <p:par>
@@ -35706,7 +35582,7 @@
                             </p:stCondLst>
                             <p:childTnLst>
                               <p:par>
-                                <p:cTn id="5" presetID="1" presetClass="entr" presetSubtype="0" fill="hold" nodeType="clickEffect">
+                                <p:cTn id="5" presetID="1" presetClass="entr" presetSubtype="0" fill="hold" nodeType="withEffect">
                                   <p:stCondLst>
                                     <p:cond delay="0"/>
                                   </p:stCondLst>
@@ -35714,37 +35590,6 @@
                                     <p:set>
                                       <p:cBhvr>
                                         <p:cTn id="6" dur="1" fill="hold">
-                                          <p:stCondLst>
-                                            <p:cond delay="0"/>
-                                          </p:stCondLst>
-                                        </p:cTn>
-                                        <p:tgtEl>
-                                          <p:spTgt spid="9">
-                                            <p:txEl>
-                                              <p:pRg st="0" end="0"/>
-                                            </p:txEl>
-                                          </p:spTgt>
-                                        </p:tgtEl>
-                                        <p:attrNameLst>
-                                          <p:attrName>style.visibility</p:attrName>
-                                        </p:attrNameLst>
-                                      </p:cBhvr>
-                                      <p:to>
-                                        <p:strVal val="visible"/>
-                                      </p:to>
-                                    </p:set>
-                                  </p:childTnLst>
-                                </p:cTn>
-                              </p:par>
-                              <p:par>
-                                <p:cTn id="7" presetID="1" presetClass="entr" presetSubtype="0" fill="hold" nodeType="withEffect">
-                                  <p:stCondLst>
-                                    <p:cond delay="0"/>
-                                  </p:stCondLst>
-                                  <p:childTnLst>
-                                    <p:set>
-                                      <p:cBhvr>
-                                        <p:cTn id="8" dur="1" fill="hold">
                                           <p:stCondLst>
                                             <p:cond delay="0"/>
                                           </p:stCondLst>
@@ -35774,26 +35619,26 @@
                     </p:cTn>
                   </p:par>
                   <p:par>
-                    <p:cTn id="9" fill="hold">
+                    <p:cTn id="7" fill="hold">
                       <p:stCondLst>
                         <p:cond delay="indefinite"/>
                       </p:stCondLst>
                       <p:childTnLst>
                         <p:par>
-                          <p:cTn id="10" fill="hold">
+                          <p:cTn id="8" fill="hold">
                             <p:stCondLst>
                               <p:cond delay="0"/>
                             </p:stCondLst>
                             <p:childTnLst>
                               <p:par>
-                                <p:cTn id="11" presetID="1" presetClass="entr" presetSubtype="0" fill="hold" nodeType="clickEffect">
+                                <p:cTn id="9" presetID="1" presetClass="entr" presetSubtype="0" fill="hold" nodeType="clickEffect">
                                   <p:stCondLst>
                                     <p:cond delay="0"/>
                                   </p:stCondLst>
                                   <p:childTnLst>
                                     <p:set>
                                       <p:cBhvr>
-                                        <p:cTn id="12" dur="1" fill="hold">
+                                        <p:cTn id="10" dur="1" fill="hold">
                                           <p:stCondLst>
                                             <p:cond delay="0"/>
                                           </p:stCondLst>
@@ -35823,26 +35668,26 @@
                     </p:cTn>
                   </p:par>
                   <p:par>
-                    <p:cTn id="13" fill="hold">
+                    <p:cTn id="11" fill="hold">
                       <p:stCondLst>
                         <p:cond delay="indefinite"/>
                       </p:stCondLst>
                       <p:childTnLst>
                         <p:par>
-                          <p:cTn id="14" fill="hold">
+                          <p:cTn id="12" fill="hold">
                             <p:stCondLst>
                               <p:cond delay="0"/>
                             </p:stCondLst>
                             <p:childTnLst>
                               <p:par>
-                                <p:cTn id="15" presetID="1" presetClass="entr" presetSubtype="0" fill="hold" nodeType="clickEffect">
+                                <p:cTn id="13" presetID="1" presetClass="entr" presetSubtype="0" fill="hold" nodeType="clickEffect">
                                   <p:stCondLst>
                                     <p:cond delay="0"/>
                                   </p:stCondLst>
                                   <p:childTnLst>
                                     <p:set>
                                       <p:cBhvr>
-                                        <p:cTn id="16" dur="1" fill="hold">
+                                        <p:cTn id="14" dur="1" fill="hold">
                                           <p:stCondLst>
                                             <p:cond delay="0"/>
                                           </p:stCondLst>
@@ -35872,26 +35717,26 @@
                     </p:cTn>
                   </p:par>
                   <p:par>
-                    <p:cTn id="17" fill="hold">
+                    <p:cTn id="15" fill="hold">
                       <p:stCondLst>
                         <p:cond delay="indefinite"/>
                       </p:stCondLst>
                       <p:childTnLst>
                         <p:par>
-                          <p:cTn id="18" fill="hold">
+                          <p:cTn id="16" fill="hold">
                             <p:stCondLst>
                               <p:cond delay="0"/>
                             </p:stCondLst>
                             <p:childTnLst>
                               <p:par>
-                                <p:cTn id="19" presetID="1" presetClass="entr" presetSubtype="0" fill="hold" nodeType="clickEffect">
+                                <p:cTn id="17" presetID="1" presetClass="entr" presetSubtype="0" fill="hold" nodeType="clickEffect">
                                   <p:stCondLst>
                                     <p:cond delay="0"/>
                                   </p:stCondLst>
                                   <p:childTnLst>
                                     <p:set>
                                       <p:cBhvr>
-                                        <p:cTn id="20" dur="1" fill="hold">
+                                        <p:cTn id="18" dur="1" fill="hold">
                                           <p:stCondLst>
                                             <p:cond delay="0"/>
                                           </p:stCondLst>
@@ -35921,26 +35766,26 @@
                     </p:cTn>
                   </p:par>
                   <p:par>
-                    <p:cTn id="21" fill="hold">
+                    <p:cTn id="19" fill="hold">
                       <p:stCondLst>
                         <p:cond delay="indefinite"/>
                       </p:stCondLst>
                       <p:childTnLst>
                         <p:par>
-                          <p:cTn id="22" fill="hold">
+                          <p:cTn id="20" fill="hold">
                             <p:stCondLst>
                               <p:cond delay="0"/>
                             </p:stCondLst>
                             <p:childTnLst>
                               <p:par>
-                                <p:cTn id="23" presetID="1" presetClass="entr" presetSubtype="0" fill="hold" nodeType="clickEffect">
+                                <p:cTn id="21" presetID="1" presetClass="entr" presetSubtype="0" fill="hold" nodeType="clickEffect">
                                   <p:stCondLst>
                                     <p:cond delay="0"/>
                                   </p:stCondLst>
                                   <p:childTnLst>
                                     <p:set>
                                       <p:cBhvr>
-                                        <p:cTn id="24" dur="1" fill="hold">
+                                        <p:cTn id="22" dur="1" fill="hold">
                                           <p:stCondLst>
                                             <p:cond delay="0"/>
                                           </p:stCondLst>
@@ -35970,26 +35815,26 @@
                     </p:cTn>
                   </p:par>
                   <p:par>
-                    <p:cTn id="25" fill="hold">
+                    <p:cTn id="23" fill="hold">
                       <p:stCondLst>
                         <p:cond delay="indefinite"/>
                       </p:stCondLst>
                       <p:childTnLst>
                         <p:par>
-                          <p:cTn id="26" fill="hold">
+                          <p:cTn id="24" fill="hold">
                             <p:stCondLst>
                               <p:cond delay="0"/>
                             </p:stCondLst>
                             <p:childTnLst>
                               <p:par>
-                                <p:cTn id="27" presetID="1" presetClass="entr" presetSubtype="0" fill="hold" nodeType="clickEffect">
+                                <p:cTn id="25" presetID="1" presetClass="entr" presetSubtype="0" fill="hold" nodeType="clickEffect">
                                   <p:stCondLst>
                                     <p:cond delay="0"/>
                                   </p:stCondLst>
                                   <p:childTnLst>
                                     <p:set>
                                       <p:cBhvr>
-                                        <p:cTn id="28" dur="1" fill="hold">
+                                        <p:cTn id="26" dur="1" fill="hold">
                                           <p:stCondLst>
                                             <p:cond delay="0"/>
                                           </p:stCondLst>
